--- a/Program_TwoLegFlexibleBody/TwoLegFlexibleModel.pptx
+++ b/Program_TwoLegFlexibleBody/TwoLegFlexibleModel.pptx
@@ -269,7 +269,7 @@
           <a:p>
             <a:fld id="{2EA3AB7E-5AEC-4AB5-A9C7-571AD30800DF}" type="datetimeFigureOut">
               <a:rPr kumimoji="1" lang="ja-JP" altLang="en-US" smtClean="0"/>
-              <a:t>2020/6/30</a:t>
+              <a:t>2020/7/10</a:t>
             </a:fld>
             <a:endParaRPr kumimoji="1" lang="ja-JP" altLang="en-US"/>
           </a:p>
@@ -499,7 +499,7 @@
           <a:p>
             <a:fld id="{2EA3AB7E-5AEC-4AB5-A9C7-571AD30800DF}" type="datetimeFigureOut">
               <a:rPr kumimoji="1" lang="ja-JP" altLang="en-US" smtClean="0"/>
-              <a:t>2020/6/30</a:t>
+              <a:t>2020/7/10</a:t>
             </a:fld>
             <a:endParaRPr kumimoji="1" lang="ja-JP" altLang="en-US"/>
           </a:p>
@@ -739,7 +739,7 @@
           <a:p>
             <a:fld id="{2EA3AB7E-5AEC-4AB5-A9C7-571AD30800DF}" type="datetimeFigureOut">
               <a:rPr kumimoji="1" lang="ja-JP" altLang="en-US" smtClean="0"/>
-              <a:t>2020/6/30</a:t>
+              <a:t>2020/7/10</a:t>
             </a:fld>
             <a:endParaRPr kumimoji="1" lang="ja-JP" altLang="en-US"/>
           </a:p>
@@ -969,7 +969,7 @@
           <a:p>
             <a:fld id="{2EA3AB7E-5AEC-4AB5-A9C7-571AD30800DF}" type="datetimeFigureOut">
               <a:rPr kumimoji="1" lang="ja-JP" altLang="en-US" smtClean="0"/>
-              <a:t>2020/6/30</a:t>
+              <a:t>2020/7/10</a:t>
             </a:fld>
             <a:endParaRPr kumimoji="1" lang="ja-JP" altLang="en-US"/>
           </a:p>
@@ -1244,7 +1244,7 @@
           <a:p>
             <a:fld id="{2EA3AB7E-5AEC-4AB5-A9C7-571AD30800DF}" type="datetimeFigureOut">
               <a:rPr kumimoji="1" lang="ja-JP" altLang="en-US" smtClean="0"/>
-              <a:t>2020/6/30</a:t>
+              <a:t>2020/7/10</a:t>
             </a:fld>
             <a:endParaRPr kumimoji="1" lang="ja-JP" altLang="en-US"/>
           </a:p>
@@ -1573,7 +1573,7 @@
           <a:p>
             <a:fld id="{2EA3AB7E-5AEC-4AB5-A9C7-571AD30800DF}" type="datetimeFigureOut">
               <a:rPr kumimoji="1" lang="ja-JP" altLang="en-US" smtClean="0"/>
-              <a:t>2020/6/30</a:t>
+              <a:t>2020/7/10</a:t>
             </a:fld>
             <a:endParaRPr kumimoji="1" lang="ja-JP" altLang="en-US"/>
           </a:p>
@@ -2049,7 +2049,7 @@
           <a:p>
             <a:fld id="{2EA3AB7E-5AEC-4AB5-A9C7-571AD30800DF}" type="datetimeFigureOut">
               <a:rPr kumimoji="1" lang="ja-JP" altLang="en-US" smtClean="0"/>
-              <a:t>2020/6/30</a:t>
+              <a:t>2020/7/10</a:t>
             </a:fld>
             <a:endParaRPr kumimoji="1" lang="ja-JP" altLang="en-US"/>
           </a:p>
@@ -2190,7 +2190,7 @@
           <a:p>
             <a:fld id="{2EA3AB7E-5AEC-4AB5-A9C7-571AD30800DF}" type="datetimeFigureOut">
               <a:rPr kumimoji="1" lang="ja-JP" altLang="en-US" smtClean="0"/>
-              <a:t>2020/6/30</a:t>
+              <a:t>2020/7/10</a:t>
             </a:fld>
             <a:endParaRPr kumimoji="1" lang="ja-JP" altLang="en-US"/>
           </a:p>
@@ -2303,7 +2303,7 @@
           <a:p>
             <a:fld id="{2EA3AB7E-5AEC-4AB5-A9C7-571AD30800DF}" type="datetimeFigureOut">
               <a:rPr kumimoji="1" lang="ja-JP" altLang="en-US" smtClean="0"/>
-              <a:t>2020/6/30</a:t>
+              <a:t>2020/7/10</a:t>
             </a:fld>
             <a:endParaRPr kumimoji="1" lang="ja-JP" altLang="en-US"/>
           </a:p>
@@ -2646,7 +2646,7 @@
           <a:p>
             <a:fld id="{2EA3AB7E-5AEC-4AB5-A9C7-571AD30800DF}" type="datetimeFigureOut">
               <a:rPr kumimoji="1" lang="ja-JP" altLang="en-US" smtClean="0"/>
-              <a:t>2020/6/30</a:t>
+              <a:t>2020/7/10</a:t>
             </a:fld>
             <a:endParaRPr kumimoji="1" lang="ja-JP" altLang="en-US"/>
           </a:p>
@@ -2934,7 +2934,7 @@
           <a:p>
             <a:fld id="{2EA3AB7E-5AEC-4AB5-A9C7-571AD30800DF}" type="datetimeFigureOut">
               <a:rPr kumimoji="1" lang="ja-JP" altLang="en-US" smtClean="0"/>
-              <a:t>2020/6/30</a:t>
+              <a:t>2020/7/10</a:t>
             </a:fld>
             <a:endParaRPr kumimoji="1" lang="ja-JP" altLang="en-US"/>
           </a:p>
@@ -3207,7 +3207,7 @@
           <a:p>
             <a:fld id="{2EA3AB7E-5AEC-4AB5-A9C7-571AD30800DF}" type="datetimeFigureOut">
               <a:rPr kumimoji="1" lang="ja-JP" altLang="en-US" smtClean="0"/>
-              <a:t>2020/6/30</a:t>
+              <a:t>2020/7/10</a:t>
             </a:fld>
             <a:endParaRPr kumimoji="1" lang="ja-JP" altLang="en-US"/>
           </a:p>
@@ -8328,8 +8328,8 @@
           </p:sp>
         </mc:Fallback>
       </mc:AlternateContent>
-      <mc:AlternateContent xmlns:mc="http://schemas.openxmlformats.org/markup-compatibility/2006" xmlns:a14="http://schemas.microsoft.com/office/drawing/2010/main">
-        <mc:Choice Requires="a14">
+      <mc:AlternateContent xmlns:mc="http://schemas.openxmlformats.org/markup-compatibility/2006">
+        <mc:Choice xmlns:a14="http://schemas.microsoft.com/office/drawing/2010/main" Requires="a14">
           <p:graphicFrame>
             <p:nvGraphicFramePr>
               <p:cNvPr id="44" name="表 43">
@@ -8345,7 +8345,7 @@
               <p:nvPr>
                 <p:extLst>
                   <p:ext uri="{D42A27DB-BD31-4B8C-83A1-F6EECF244321}">
-                    <p14:modId xmlns:p14="http://schemas.microsoft.com/office/powerpoint/2010/main" val="2623683762"/>
+                    <p14:modId xmlns:p14="http://schemas.microsoft.com/office/powerpoint/2010/main" val="2956157406"/>
                   </p:ext>
                 </p:extLst>
               </p:nvPr>
@@ -8566,45 +8566,23 @@
                         <a:bodyPr/>
                         <a:lstStyle/>
                         <a:p>
-                          <a:pPr/>
+                          <a:pPr algn="ctr"/>
                           <a14:m>
                             <m:oMathPara xmlns:m="http://schemas.openxmlformats.org/officeDocument/2006/math">
                               <m:oMathParaPr>
                                 <m:jc m:val="centerGroup"/>
                               </m:oMathParaPr>
                               <m:oMath xmlns:m="http://schemas.openxmlformats.org/officeDocument/2006/math">
-                                <m:sSub>
-                                  <m:sSubPr>
-                                    <m:ctrlPr>
-                                      <a:rPr kumimoji="1" lang="en-US" altLang="ja-JP" b="0" i="1" smtClean="0">
-                                        <a:latin typeface="Cambria Math" panose="02040503050406030204" pitchFamily="18" charset="0"/>
-                                      </a:rPr>
-                                    </m:ctrlPr>
-                                  </m:sSubPr>
-                                  <m:e>
-                                    <m:r>
-                                      <a:rPr kumimoji="1" lang="en-US" altLang="ja-JP" b="0" i="1" smtClean="0">
-                                        <a:latin typeface="Cambria Math" panose="02040503050406030204" pitchFamily="18" charset="0"/>
-                                      </a:rPr>
-                                      <m:t>𝐿</m:t>
-                                    </m:r>
-                                  </m:e>
-                                  <m:sub>
-                                    <m:r>
-                                      <m:rPr>
-                                        <m:sty m:val="p"/>
-                                      </m:rPr>
-                                      <a:rPr kumimoji="1" lang="en-US" altLang="ja-JP" b="0" i="0" smtClean="0">
-                                        <a:latin typeface="Cambria Math" panose="02040503050406030204" pitchFamily="18" charset="0"/>
-                                      </a:rPr>
-                                      <m:t>b</m:t>
-                                    </m:r>
-                                  </m:sub>
-                                </m:sSub>
+                                <m:r>
+                                  <a:rPr kumimoji="1" lang="en-US" altLang="ja-JP" b="0" i="1" smtClean="0">
+                                    <a:latin typeface="Cambria Math" panose="02040503050406030204" pitchFamily="18" charset="0"/>
+                                  </a:rPr>
+                                  <m:t>𝐿</m:t>
+                                </m:r>
                               </m:oMath>
                             </m:oMathPara>
                           </a14:m>
-                          <a:endParaRPr kumimoji="1" lang="ja-JP" altLang="en-US" dirty="0"/>
+                          <a:endParaRPr kumimoji="1" lang="ja-JP" altLang="en-US" i="1" dirty="0"/>
                         </a:p>
                       </a:txBody>
                       <a:tcPr/>
@@ -9031,7 +9009,7 @@
             </a:graphic>
           </p:graphicFrame>
         </mc:Choice>
-        <mc:Fallback xmlns="">
+        <mc:Fallback>
           <p:graphicFrame>
             <p:nvGraphicFramePr>
               <p:cNvPr id="44" name="表 43">
@@ -9047,7 +9025,7 @@
               <p:nvPr>
                 <p:extLst>
                   <p:ext uri="{D42A27DB-BD31-4B8C-83A1-F6EECF244321}">
-                    <p14:modId xmlns:p14="http://schemas.microsoft.com/office/powerpoint/2010/main" val="2623683762"/>
+                    <p14:modId xmlns:p14="http://schemas.microsoft.com/office/powerpoint/2010/main" val="2956157406"/>
                   </p:ext>
                 </p:extLst>
               </p:nvPr>
